--- a/git_github/처음에 해야하는 것/Progress.pptx
+++ b/git_github/처음에 해야하는 것/Progress.pptx
@@ -5,15 +5,14 @@
     <p:sldMasterId id="2147483648" r:id="rId1"/>
   </p:sldMasterIdLst>
   <p:notesMasterIdLst>
-    <p:notesMasterId r:id="rId8"/>
+    <p:notesMasterId r:id="rId7"/>
   </p:notesMasterIdLst>
   <p:sldIdLst>
-    <p:sldId id="256" r:id="rId2"/>
-    <p:sldId id="257" r:id="rId3"/>
-    <p:sldId id="258" r:id="rId4"/>
-    <p:sldId id="259" r:id="rId5"/>
-    <p:sldId id="261" r:id="rId6"/>
-    <p:sldId id="260" r:id="rId7"/>
+    <p:sldId id="257" r:id="rId2"/>
+    <p:sldId id="258" r:id="rId3"/>
+    <p:sldId id="259" r:id="rId4"/>
+    <p:sldId id="261" r:id="rId5"/>
+    <p:sldId id="260" r:id="rId6"/>
   </p:sldIdLst>
   <p:sldSz cx="12192000" cy="6858000"/>
   <p:notesSz cx="6858000" cy="9144000"/>
@@ -467,90 +466,6 @@
     </a:lvl9pPr>
   </p:notesStyle>
 </p:notesMaster>
-</file>
-
-<file path=ppt/notesSlides/notesSlide1.xml><?xml version="1.0" encoding="utf-8"?>
-<p:notes xmlns:a="http://schemas.openxmlformats.org/drawingml/2006/main" xmlns:r="http://schemas.openxmlformats.org/officeDocument/2006/relationships" xmlns:p="http://schemas.openxmlformats.org/presentationml/2006/main">
-  <p:cSld>
-    <p:spTree>
-      <p:nvGrpSpPr>
-        <p:cNvPr id="1" name=""/>
-        <p:cNvGrpSpPr/>
-        <p:nvPr/>
-      </p:nvGrpSpPr>
-      <p:grpSpPr>
-        <a:xfrm>
-          <a:off x="0" y="0"/>
-          <a:ext cx="0" cy="0"/>
-          <a:chOff x="0" y="0"/>
-          <a:chExt cx="0" cy="0"/>
-        </a:xfrm>
-      </p:grpSpPr>
-      <p:sp>
-        <p:nvSpPr>
-          <p:cNvPr id="2" name="슬라이드 이미지 개체 틀 1"/>
-          <p:cNvSpPr>
-            <a:spLocks noGrp="1" noRot="1" noChangeAspect="1"/>
-          </p:cNvSpPr>
-          <p:nvPr>
-            <p:ph type="sldImg"/>
-          </p:nvPr>
-        </p:nvSpPr>
-        <p:spPr/>
-      </p:sp>
-      <p:sp>
-        <p:nvSpPr>
-          <p:cNvPr id="3" name="슬라이드 노트 개체 틀 2"/>
-          <p:cNvSpPr>
-            <a:spLocks noGrp="1"/>
-          </p:cNvSpPr>
-          <p:nvPr>
-            <p:ph type="body" idx="1"/>
-          </p:nvPr>
-        </p:nvSpPr>
-        <p:spPr/>
-        <p:txBody>
-          <a:bodyPr/>
-          <a:lstStyle/>
-          <a:p>
-            <a:endParaRPr lang="ko-KR" altLang="en-US" dirty="0"/>
-          </a:p>
-        </p:txBody>
-      </p:sp>
-      <p:sp>
-        <p:nvSpPr>
-          <p:cNvPr id="4" name="슬라이드 번호 개체 틀 3"/>
-          <p:cNvSpPr>
-            <a:spLocks noGrp="1"/>
-          </p:cNvSpPr>
-          <p:nvPr>
-            <p:ph type="sldNum" sz="quarter" idx="5"/>
-          </p:nvPr>
-        </p:nvSpPr>
-        <p:spPr/>
-        <p:txBody>
-          <a:bodyPr/>
-          <a:lstStyle/>
-          <a:p>
-            <a:fld id="{88C2E122-74AE-492D-94AF-206130D5BE0B}" type="slidenum">
-              <a:rPr lang="ko-KR" altLang="en-US" smtClean="0"/>
-              <a:t>1</a:t>
-            </a:fld>
-            <a:endParaRPr lang="ko-KR" altLang="en-US"/>
-          </a:p>
-        </p:txBody>
-      </p:sp>
-    </p:spTree>
-    <p:extLst>
-      <p:ext uri="{BB962C8B-B14F-4D97-AF65-F5344CB8AC3E}">
-        <p14:creationId xmlns:p14="http://schemas.microsoft.com/office/powerpoint/2010/main" val="3804732951"/>
-      </p:ext>
-    </p:extLst>
-  </p:cSld>
-  <p:clrMapOvr>
-    <a:masterClrMapping/>
-  </p:clrMapOvr>
-</p:notes>
 </file>
 
 <file path=ppt/slideLayouts/slideLayout1.xml><?xml version="1.0" encoding="utf-8"?>
@@ -3769,140 +3684,6 @@
       </p:grpSpPr>
       <p:pic>
         <p:nvPicPr>
-          <p:cNvPr id="5" name="그림 4" descr="텍스트이(가) 표시된 사진&#10;&#10;자동 생성된 설명">
-            <a:extLst>
-              <a:ext uri="{FF2B5EF4-FFF2-40B4-BE49-F238E27FC236}">
-                <a16:creationId xmlns:a16="http://schemas.microsoft.com/office/drawing/2014/main" id="{B2F56E8E-98C7-466E-B4CD-7C03662B4932}"/>
-              </a:ext>
-            </a:extLst>
-          </p:cNvPr>
-          <p:cNvPicPr>
-            <a:picLocks noChangeAspect="1"/>
-          </p:cNvPicPr>
-          <p:nvPr/>
-        </p:nvPicPr>
-        <p:blipFill>
-          <a:blip r:embed="rId3">
-            <a:extLst>
-              <a:ext uri="{28A0092B-C50C-407E-A947-70E740481C1C}">
-                <a14:useLocalDpi xmlns:a14="http://schemas.microsoft.com/office/drawing/2010/main" val="0"/>
-              </a:ext>
-            </a:extLst>
-          </a:blip>
-          <a:stretch>
-            <a:fillRect/>
-          </a:stretch>
-        </p:blipFill>
-        <p:spPr>
-          <a:xfrm>
-            <a:off x="0" y="0"/>
-            <a:ext cx="12192000" cy="6858000"/>
-          </a:xfrm>
-          <a:prstGeom prst="rect">
-            <a:avLst/>
-          </a:prstGeom>
-        </p:spPr>
-      </p:pic>
-      <p:sp>
-        <p:nvSpPr>
-          <p:cNvPr id="6" name="TextBox 5">
-            <a:extLst>
-              <a:ext uri="{FF2B5EF4-FFF2-40B4-BE49-F238E27FC236}">
-                <a16:creationId xmlns:a16="http://schemas.microsoft.com/office/drawing/2014/main" id="{2F5238F6-FC52-471C-AA3F-C534FA8CB4D9}"/>
-              </a:ext>
-            </a:extLst>
-          </p:cNvPr>
-          <p:cNvSpPr txBox="1"/>
-          <p:nvPr/>
-        </p:nvSpPr>
-        <p:spPr>
-          <a:xfrm>
-            <a:off x="7968343" y="6488668"/>
-            <a:ext cx="4223658" cy="369332"/>
-          </a:xfrm>
-          <a:prstGeom prst="rect">
-            <a:avLst/>
-          </a:prstGeom>
-          <a:noFill/>
-        </p:spPr>
-        <p:txBody>
-          <a:bodyPr wrap="square" rtlCol="0">
-            <a:spAutoFit/>
-          </a:bodyPr>
-          <a:lstStyle/>
-          <a:p>
-            <a:r>
-              <a:rPr lang="ko-KR" altLang="en-US" dirty="0">
-                <a:solidFill>
-                  <a:schemeClr val="bg1"/>
-                </a:solidFill>
-              </a:rPr>
-              <a:t>우측 상단의 </a:t>
-            </a:r>
-            <a:r>
-              <a:rPr lang="en-US" altLang="ko-KR" dirty="0">
-                <a:solidFill>
-                  <a:schemeClr val="bg1"/>
-                </a:solidFill>
-              </a:rPr>
-              <a:t>Fork</a:t>
-            </a:r>
-            <a:r>
-              <a:rPr lang="ko-KR" altLang="en-US" dirty="0">
-                <a:solidFill>
-                  <a:schemeClr val="bg1"/>
-                </a:solidFill>
-              </a:rPr>
-              <a:t>를  클릭합니다</a:t>
-            </a:r>
-            <a:r>
-              <a:rPr lang="en-US" altLang="ko-KR" dirty="0">
-                <a:solidFill>
-                  <a:schemeClr val="bg1"/>
-                </a:solidFill>
-              </a:rPr>
-              <a:t>.</a:t>
-            </a:r>
-            <a:endParaRPr lang="ko-KR" altLang="en-US" dirty="0">
-              <a:solidFill>
-                <a:schemeClr val="bg1"/>
-              </a:solidFill>
-            </a:endParaRPr>
-          </a:p>
-        </p:txBody>
-      </p:sp>
-    </p:spTree>
-    <p:extLst>
-      <p:ext uri="{BB962C8B-B14F-4D97-AF65-F5344CB8AC3E}">
-        <p14:creationId xmlns:p14="http://schemas.microsoft.com/office/powerpoint/2010/main" val="347479529"/>
-      </p:ext>
-    </p:extLst>
-  </p:cSld>
-  <p:clrMapOvr>
-    <a:masterClrMapping/>
-  </p:clrMapOvr>
-</p:sld>
-</file>
-
-<file path=ppt/slides/slide2.xml><?xml version="1.0" encoding="utf-8"?>
-<p:sld xmlns:a="http://schemas.openxmlformats.org/drawingml/2006/main" xmlns:r="http://schemas.openxmlformats.org/officeDocument/2006/relationships" xmlns:p="http://schemas.openxmlformats.org/presentationml/2006/main">
-  <p:cSld>
-    <p:spTree>
-      <p:nvGrpSpPr>
-        <p:cNvPr id="1" name=""/>
-        <p:cNvGrpSpPr/>
-        <p:nvPr/>
-      </p:nvGrpSpPr>
-      <p:grpSpPr>
-        <a:xfrm>
-          <a:off x="0" y="0"/>
-          <a:ext cx="0" cy="0"/>
-          <a:chOff x="0" y="0"/>
-          <a:chExt cx="0" cy="0"/>
-        </a:xfrm>
-      </p:grpSpPr>
-      <p:pic>
-        <p:nvPicPr>
           <p:cNvPr id="5" name="그림 4" descr="텍스트, 스크린샷, 모니터이(가) 표시된 사진&#10;&#10;자동 생성된 설명">
             <a:extLst>
               <a:ext uri="{FF2B5EF4-FFF2-40B4-BE49-F238E27FC236}">
@@ -4109,6 +3890,155 @@
 </p:sld>
 </file>
 
+<file path=ppt/slides/slide2.xml><?xml version="1.0" encoding="utf-8"?>
+<p:sld xmlns:a="http://schemas.openxmlformats.org/drawingml/2006/main" xmlns:r="http://schemas.openxmlformats.org/officeDocument/2006/relationships" xmlns:p="http://schemas.openxmlformats.org/presentationml/2006/main">
+  <p:cSld>
+    <p:spTree>
+      <p:nvGrpSpPr>
+        <p:cNvPr id="1" name=""/>
+        <p:cNvGrpSpPr/>
+        <p:nvPr/>
+      </p:nvGrpSpPr>
+      <p:grpSpPr>
+        <a:xfrm>
+          <a:off x="0" y="0"/>
+          <a:ext cx="0" cy="0"/>
+          <a:chOff x="0" y="0"/>
+          <a:chExt cx="0" cy="0"/>
+        </a:xfrm>
+      </p:grpSpPr>
+      <p:pic>
+        <p:nvPicPr>
+          <p:cNvPr id="3" name="그림 2" descr="텍스트이(가) 표시된 사진&#10;&#10;자동 생성된 설명">
+            <a:extLst>
+              <a:ext uri="{FF2B5EF4-FFF2-40B4-BE49-F238E27FC236}">
+                <a16:creationId xmlns:a16="http://schemas.microsoft.com/office/drawing/2014/main" id="{F005FB1D-4D48-43E7-9ED7-E9C14B0C68E6}"/>
+              </a:ext>
+            </a:extLst>
+          </p:cNvPr>
+          <p:cNvPicPr>
+            <a:picLocks noChangeAspect="1"/>
+          </p:cNvPicPr>
+          <p:nvPr/>
+        </p:nvPicPr>
+        <p:blipFill>
+          <a:blip r:embed="rId2">
+            <a:extLst>
+              <a:ext uri="{28A0092B-C50C-407E-A947-70E740481C1C}">
+                <a14:useLocalDpi xmlns:a14="http://schemas.microsoft.com/office/drawing/2010/main" val="0"/>
+              </a:ext>
+            </a:extLst>
+          </a:blip>
+          <a:stretch>
+            <a:fillRect/>
+          </a:stretch>
+        </p:blipFill>
+        <p:spPr>
+          <a:xfrm>
+            <a:off x="0" y="0"/>
+            <a:ext cx="12192000" cy="6858000"/>
+          </a:xfrm>
+          <a:prstGeom prst="rect">
+            <a:avLst/>
+          </a:prstGeom>
+        </p:spPr>
+      </p:pic>
+      <p:sp>
+        <p:nvSpPr>
+          <p:cNvPr id="4" name="TextBox 3">
+            <a:extLst>
+              <a:ext uri="{FF2B5EF4-FFF2-40B4-BE49-F238E27FC236}">
+                <a16:creationId xmlns:a16="http://schemas.microsoft.com/office/drawing/2014/main" id="{32B02A28-C2F4-41B7-B4D7-E98261A64FDB}"/>
+              </a:ext>
+            </a:extLst>
+          </p:cNvPr>
+          <p:cNvSpPr txBox="1"/>
+          <p:nvPr/>
+        </p:nvSpPr>
+        <p:spPr>
+          <a:xfrm>
+            <a:off x="7968342" y="6211669"/>
+            <a:ext cx="4223658" cy="646331"/>
+          </a:xfrm>
+          <a:prstGeom prst="rect">
+            <a:avLst/>
+          </a:prstGeom>
+          <a:noFill/>
+        </p:spPr>
+        <p:txBody>
+          <a:bodyPr wrap="square" rtlCol="0">
+            <a:spAutoFit/>
+          </a:bodyPr>
+          <a:lstStyle/>
+          <a:p>
+            <a:r>
+              <a:rPr lang="ko-KR" altLang="en-US" dirty="0">
+                <a:solidFill>
+                  <a:schemeClr val="bg1"/>
+                </a:solidFill>
+              </a:rPr>
+              <a:t>우측의 </a:t>
+            </a:r>
+            <a:r>
+              <a:rPr lang="en-US" altLang="ko-KR" dirty="0">
+                <a:solidFill>
+                  <a:schemeClr val="bg1"/>
+                </a:solidFill>
+              </a:rPr>
+              <a:t>Code</a:t>
+            </a:r>
+            <a:r>
+              <a:rPr lang="ko-KR" altLang="en-US" dirty="0">
+                <a:solidFill>
+                  <a:schemeClr val="bg1"/>
+                </a:solidFill>
+              </a:rPr>
+              <a:t>를 클릭하고</a:t>
+            </a:r>
+            <a:br>
+              <a:rPr lang="en-US" altLang="ko-KR" dirty="0">
+                <a:solidFill>
+                  <a:schemeClr val="bg1"/>
+                </a:solidFill>
+              </a:rPr>
+            </a:br>
+            <a:r>
+              <a:rPr lang="ko-KR" altLang="en-US" dirty="0">
+                <a:solidFill>
+                  <a:schemeClr val="bg1"/>
+                </a:solidFill>
+              </a:rPr>
+              <a:t>그 아래에 있는 아이콘을 클릭합니다</a:t>
+            </a:r>
+            <a:r>
+              <a:rPr lang="en-US" altLang="ko-KR" dirty="0">
+                <a:solidFill>
+                  <a:schemeClr val="bg1"/>
+                </a:solidFill>
+              </a:rPr>
+              <a:t>.</a:t>
+            </a:r>
+            <a:endParaRPr lang="ko-KR" altLang="en-US" dirty="0">
+              <a:solidFill>
+                <a:schemeClr val="bg1"/>
+              </a:solidFill>
+            </a:endParaRPr>
+          </a:p>
+        </p:txBody>
+      </p:sp>
+    </p:spTree>
+    <p:extLst>
+      <p:ext uri="{BB962C8B-B14F-4D97-AF65-F5344CB8AC3E}">
+        <p14:creationId xmlns:p14="http://schemas.microsoft.com/office/powerpoint/2010/main" val="2181827015"/>
+      </p:ext>
+    </p:extLst>
+  </p:cSld>
+  <p:clrMapOvr>
+    <a:masterClrMapping/>
+  </p:clrMapOvr>
+</p:sld>
+</file>
+
 <file path=ppt/slides/slide3.xml><?xml version="1.0" encoding="utf-8"?>
 <p:sld xmlns:a="http://schemas.openxmlformats.org/drawingml/2006/main" xmlns:r="http://schemas.openxmlformats.org/officeDocument/2006/relationships" xmlns:p="http://schemas.openxmlformats.org/presentationml/2006/main">
   <p:cSld>
@@ -4128,10 +4058,10 @@
       </p:grpSpPr>
       <p:pic>
         <p:nvPicPr>
-          <p:cNvPr id="3" name="그림 2" descr="텍스트이(가) 표시된 사진&#10;&#10;자동 생성된 설명">
-            <a:extLst>
-              <a:ext uri="{FF2B5EF4-FFF2-40B4-BE49-F238E27FC236}">
-                <a16:creationId xmlns:a16="http://schemas.microsoft.com/office/drawing/2014/main" id="{F005FB1D-4D48-43E7-9ED7-E9C14B0C68E6}"/>
+          <p:cNvPr id="3" name="그림 2" descr="텍스트, 스크린샷, 영수증이(가) 표시된 사진&#10;&#10;자동 생성된 설명">
+            <a:extLst>
+              <a:ext uri="{FF2B5EF4-FFF2-40B4-BE49-F238E27FC236}">
+                <a16:creationId xmlns:a16="http://schemas.microsoft.com/office/drawing/2014/main" id="{900A39EB-497F-4813-AB9D-58A06EA6E28C}"/>
               </a:ext>
             </a:extLst>
           </p:cNvPr>
@@ -4154,8 +4084,8 @@
         </p:blipFill>
         <p:spPr>
           <a:xfrm>
-            <a:off x="0" y="0"/>
-            <a:ext cx="12192000" cy="6858000"/>
+            <a:off x="4753143" y="1652809"/>
+            <a:ext cx="2685714" cy="3552381"/>
           </a:xfrm>
           <a:prstGeom prst="rect">
             <a:avLst/>
@@ -4167,7 +4097,7 @@
           <p:cNvPr id="4" name="TextBox 3">
             <a:extLst>
               <a:ext uri="{FF2B5EF4-FFF2-40B4-BE49-F238E27FC236}">
-                <a16:creationId xmlns:a16="http://schemas.microsoft.com/office/drawing/2014/main" id="{32B02A28-C2F4-41B7-B4D7-E98261A64FDB}"/>
+                <a16:creationId xmlns:a16="http://schemas.microsoft.com/office/drawing/2014/main" id="{517E06FB-AB3F-4C4A-9D7F-1E92BA0F29AD}"/>
               </a:ext>
             </a:extLst>
           </p:cNvPr>
@@ -4176,8 +4106,8 @@
         </p:nvSpPr>
         <p:spPr>
           <a:xfrm>
-            <a:off x="7968342" y="6211669"/>
-            <a:ext cx="4223658" cy="646331"/>
+            <a:off x="7968342" y="5934670"/>
+            <a:ext cx="4223658" cy="923330"/>
           </a:xfrm>
           <a:prstGeom prst="rect">
             <a:avLst/>
@@ -4191,64 +4121,39 @@
           <a:lstStyle/>
           <a:p>
             <a:r>
-              <a:rPr lang="ko-KR" altLang="en-US" dirty="0">
-                <a:solidFill>
-                  <a:schemeClr val="bg1"/>
-                </a:solidFill>
-              </a:rPr>
-              <a:t>우측의 </a:t>
-            </a:r>
-            <a:r>
-              <a:rPr lang="en-US" altLang="ko-KR" dirty="0">
-                <a:solidFill>
-                  <a:schemeClr val="bg1"/>
-                </a:solidFill>
-              </a:rPr>
-              <a:t>Code</a:t>
-            </a:r>
-            <a:r>
-              <a:rPr lang="ko-KR" altLang="en-US" dirty="0">
-                <a:solidFill>
-                  <a:schemeClr val="bg1"/>
-                </a:solidFill>
-              </a:rPr>
-              <a:t>를 클릭하고</a:t>
+              <a:rPr lang="ko-KR" altLang="en-US" dirty="0"/>
+              <a:t>자신의 컴퓨터에서</a:t>
             </a:r>
             <a:br>
-              <a:rPr lang="en-US" altLang="ko-KR" dirty="0">
-                <a:solidFill>
-                  <a:schemeClr val="bg1"/>
-                </a:solidFill>
-              </a:rPr>
+              <a:rPr lang="en-US" altLang="ko-KR" dirty="0"/>
             </a:br>
             <a:r>
-              <a:rPr lang="ko-KR" altLang="en-US" dirty="0">
-                <a:solidFill>
-                  <a:schemeClr val="bg1"/>
-                </a:solidFill>
-              </a:rPr>
-              <a:t>그 아래에 있는 아이콘을 클릭합니다</a:t>
-            </a:r>
-            <a:r>
-              <a:rPr lang="en-US" altLang="ko-KR" dirty="0">
-                <a:solidFill>
-                  <a:schemeClr val="bg1"/>
-                </a:solidFill>
-              </a:rPr>
+              <a:rPr lang="ko-KR" altLang="en-US" dirty="0"/>
+              <a:t>적당한 곳에 마우스 오른쪽을 클릭하고</a:t>
+            </a:r>
+            <a:br>
+              <a:rPr lang="en-US" altLang="ko-KR" dirty="0"/>
+            </a:br>
+            <a:r>
+              <a:rPr lang="en-US" altLang="ko-KR" dirty="0"/>
+              <a:t>Git Bash Here</a:t>
+            </a:r>
+            <a:r>
+              <a:rPr lang="ko-KR" altLang="en-US" dirty="0"/>
+              <a:t>를 클릭합니다</a:t>
+            </a:r>
+            <a:r>
+              <a:rPr lang="en-US" altLang="ko-KR" dirty="0"/>
               <a:t>.</a:t>
             </a:r>
-            <a:endParaRPr lang="ko-KR" altLang="en-US" dirty="0">
-              <a:solidFill>
-                <a:schemeClr val="bg1"/>
-              </a:solidFill>
-            </a:endParaRPr>
+            <a:endParaRPr lang="ko-KR" altLang="en-US" dirty="0"/>
           </a:p>
         </p:txBody>
       </p:sp>
     </p:spTree>
     <p:extLst>
       <p:ext uri="{BB962C8B-B14F-4D97-AF65-F5344CB8AC3E}">
-        <p14:creationId xmlns:p14="http://schemas.microsoft.com/office/powerpoint/2010/main" val="2181827015"/>
+        <p14:creationId xmlns:p14="http://schemas.microsoft.com/office/powerpoint/2010/main" val="3252387880"/>
       </p:ext>
     </p:extLst>
   </p:cSld>
@@ -4277,130 +4182,6 @@
       </p:grpSpPr>
       <p:pic>
         <p:nvPicPr>
-          <p:cNvPr id="3" name="그림 2" descr="텍스트, 스크린샷, 영수증이(가) 표시된 사진&#10;&#10;자동 생성된 설명">
-            <a:extLst>
-              <a:ext uri="{FF2B5EF4-FFF2-40B4-BE49-F238E27FC236}">
-                <a16:creationId xmlns:a16="http://schemas.microsoft.com/office/drawing/2014/main" id="{900A39EB-497F-4813-AB9D-58A06EA6E28C}"/>
-              </a:ext>
-            </a:extLst>
-          </p:cNvPr>
-          <p:cNvPicPr>
-            <a:picLocks noChangeAspect="1"/>
-          </p:cNvPicPr>
-          <p:nvPr/>
-        </p:nvPicPr>
-        <p:blipFill>
-          <a:blip r:embed="rId2">
-            <a:extLst>
-              <a:ext uri="{28A0092B-C50C-407E-A947-70E740481C1C}">
-                <a14:useLocalDpi xmlns:a14="http://schemas.microsoft.com/office/drawing/2010/main" val="0"/>
-              </a:ext>
-            </a:extLst>
-          </a:blip>
-          <a:stretch>
-            <a:fillRect/>
-          </a:stretch>
-        </p:blipFill>
-        <p:spPr>
-          <a:xfrm>
-            <a:off x="4753143" y="1652809"/>
-            <a:ext cx="2685714" cy="3552381"/>
-          </a:xfrm>
-          <a:prstGeom prst="rect">
-            <a:avLst/>
-          </a:prstGeom>
-        </p:spPr>
-      </p:pic>
-      <p:sp>
-        <p:nvSpPr>
-          <p:cNvPr id="4" name="TextBox 3">
-            <a:extLst>
-              <a:ext uri="{FF2B5EF4-FFF2-40B4-BE49-F238E27FC236}">
-                <a16:creationId xmlns:a16="http://schemas.microsoft.com/office/drawing/2014/main" id="{517E06FB-AB3F-4C4A-9D7F-1E92BA0F29AD}"/>
-              </a:ext>
-            </a:extLst>
-          </p:cNvPr>
-          <p:cNvSpPr txBox="1"/>
-          <p:nvPr/>
-        </p:nvSpPr>
-        <p:spPr>
-          <a:xfrm>
-            <a:off x="7968342" y="5934670"/>
-            <a:ext cx="4223658" cy="923330"/>
-          </a:xfrm>
-          <a:prstGeom prst="rect">
-            <a:avLst/>
-          </a:prstGeom>
-          <a:noFill/>
-        </p:spPr>
-        <p:txBody>
-          <a:bodyPr wrap="square" rtlCol="0">
-            <a:spAutoFit/>
-          </a:bodyPr>
-          <a:lstStyle/>
-          <a:p>
-            <a:r>
-              <a:rPr lang="ko-KR" altLang="en-US" dirty="0"/>
-              <a:t>자신의 컴퓨터에서</a:t>
-            </a:r>
-            <a:br>
-              <a:rPr lang="en-US" altLang="ko-KR" dirty="0"/>
-            </a:br>
-            <a:r>
-              <a:rPr lang="ko-KR" altLang="en-US" dirty="0"/>
-              <a:t>적당한 곳에 마우스 오른쪽을 클릭하고</a:t>
-            </a:r>
-            <a:br>
-              <a:rPr lang="en-US" altLang="ko-KR" dirty="0"/>
-            </a:br>
-            <a:r>
-              <a:rPr lang="en-US" altLang="ko-KR" dirty="0"/>
-              <a:t>Git Bash Here</a:t>
-            </a:r>
-            <a:r>
-              <a:rPr lang="ko-KR" altLang="en-US" dirty="0"/>
-              <a:t>를 클릭합니다</a:t>
-            </a:r>
-            <a:r>
-              <a:rPr lang="en-US" altLang="ko-KR" dirty="0"/>
-              <a:t>.</a:t>
-            </a:r>
-            <a:endParaRPr lang="ko-KR" altLang="en-US" dirty="0"/>
-          </a:p>
-        </p:txBody>
-      </p:sp>
-    </p:spTree>
-    <p:extLst>
-      <p:ext uri="{BB962C8B-B14F-4D97-AF65-F5344CB8AC3E}">
-        <p14:creationId xmlns:p14="http://schemas.microsoft.com/office/powerpoint/2010/main" val="3252387880"/>
-      </p:ext>
-    </p:extLst>
-  </p:cSld>
-  <p:clrMapOvr>
-    <a:masterClrMapping/>
-  </p:clrMapOvr>
-</p:sld>
-</file>
-
-<file path=ppt/slides/slide5.xml><?xml version="1.0" encoding="utf-8"?>
-<p:sld xmlns:a="http://schemas.openxmlformats.org/drawingml/2006/main" xmlns:r="http://schemas.openxmlformats.org/officeDocument/2006/relationships" xmlns:p="http://schemas.openxmlformats.org/presentationml/2006/main">
-  <p:cSld>
-    <p:spTree>
-      <p:nvGrpSpPr>
-        <p:cNvPr id="1" name=""/>
-        <p:cNvGrpSpPr/>
-        <p:nvPr/>
-      </p:nvGrpSpPr>
-      <p:grpSpPr>
-        <a:xfrm>
-          <a:off x="0" y="0"/>
-          <a:ext cx="0" cy="0"/>
-          <a:chOff x="0" y="0"/>
-          <a:chExt cx="0" cy="0"/>
-        </a:xfrm>
-      </p:grpSpPr>
-      <p:pic>
-        <p:nvPicPr>
           <p:cNvPr id="5" name="그림 4">
             <a:extLst>
               <a:ext uri="{FF2B5EF4-FFF2-40B4-BE49-F238E27FC236}">
@@ -4508,7 +4289,7 @@
 </p:sld>
 </file>
 
-<file path=ppt/slides/slide6.xml><?xml version="1.0" encoding="utf-8"?>
+<file path=ppt/slides/slide5.xml><?xml version="1.0" encoding="utf-8"?>
 <p:sld xmlns:a="http://schemas.openxmlformats.org/drawingml/2006/main" xmlns:r="http://schemas.openxmlformats.org/officeDocument/2006/relationships" xmlns:p="http://schemas.openxmlformats.org/presentationml/2006/main">
   <p:cSld>
     <p:spTree>
